--- a/Asp.net Core/PPT/DependencyInjection.pptx
+++ b/Asp.net Core/PPT/DependencyInjection.pptx
@@ -218,7 +218,7 @@
             <a:fld id="{25168A0F-649F-4C97-B40A-0C44105BD79B}" type="datetimeFigureOut">
               <a:rPr lang="en-US" smtClean="0"/>
               <a:pPr/>
-              <a:t>7/4/2023</a:t>
+              <a:t>1/4/2024</a:t>
             </a:fld>
             <a:endParaRPr lang="en-US"/>
           </a:p>
@@ -1643,7 +1643,7 @@
             <a:fld id="{1D8BD707-D9CF-40AE-B4C6-C98DA3205C09}" type="datetimeFigureOut">
               <a:rPr lang="en-US" smtClean="0"/>
               <a:pPr/>
-              <a:t>7/4/2023</a:t>
+              <a:t>1/4/2024</a:t>
             </a:fld>
             <a:endParaRPr lang="en-US"/>
           </a:p>
@@ -1835,7 +1835,7 @@
             <a:fld id="{1D8BD707-D9CF-40AE-B4C6-C98DA3205C09}" type="datetimeFigureOut">
               <a:rPr lang="en-US" smtClean="0"/>
               <a:pPr/>
-              <a:t>7/4/2023</a:t>
+              <a:t>1/4/2024</a:t>
             </a:fld>
             <a:endParaRPr lang="en-US"/>
           </a:p>
@@ -2021,7 +2021,7 @@
             <a:fld id="{1D8BD707-D9CF-40AE-B4C6-C98DA3205C09}" type="datetimeFigureOut">
               <a:rPr lang="en-US" smtClean="0"/>
               <a:pPr/>
-              <a:t>7/4/2023</a:t>
+              <a:t>1/4/2024</a:t>
             </a:fld>
             <a:endParaRPr lang="en-US"/>
           </a:p>
@@ -2285,7 +2285,7 @@
             <a:fld id="{1D8BD707-D9CF-40AE-B4C6-C98DA3205C09}" type="datetimeFigureOut">
               <a:rPr lang="en-US" smtClean="0"/>
               <a:pPr/>
-              <a:t>7/4/2023</a:t>
+              <a:t>1/4/2024</a:t>
             </a:fld>
             <a:endParaRPr lang="en-US"/>
           </a:p>
@@ -2702,7 +2702,7 @@
             <a:fld id="{1D8BD707-D9CF-40AE-B4C6-C98DA3205C09}" type="datetimeFigureOut">
               <a:rPr lang="en-US" smtClean="0"/>
               <a:pPr/>
-              <a:t>7/4/2023</a:t>
+              <a:t>1/4/2024</a:t>
             </a:fld>
             <a:endParaRPr lang="en-US"/>
           </a:p>
@@ -2945,7 +2945,7 @@
             <a:fld id="{1D8BD707-D9CF-40AE-B4C6-C98DA3205C09}" type="datetimeFigureOut">
               <a:rPr lang="en-US" smtClean="0"/>
               <a:pPr/>
-              <a:t>7/4/2023</a:t>
+              <a:t>1/4/2024</a:t>
             </a:fld>
             <a:endParaRPr lang="en-US"/>
           </a:p>
@@ -3182,7 +3182,7 @@
             <a:fld id="{1D8BD707-D9CF-40AE-B4C6-C98DA3205C09}" type="datetimeFigureOut">
               <a:rPr lang="en-US" smtClean="0"/>
               <a:pPr/>
-              <a:t>7/4/2023</a:t>
+              <a:t>1/4/2024</a:t>
             </a:fld>
             <a:endParaRPr lang="en-US"/>
           </a:p>
@@ -3378,7 +3378,7 @@
             <a:fld id="{1D8BD707-D9CF-40AE-B4C6-C98DA3205C09}" type="datetimeFigureOut">
               <a:rPr lang="en-US" smtClean="0"/>
               <a:pPr/>
-              <a:t>7/4/2023</a:t>
+              <a:t>1/4/2024</a:t>
             </a:fld>
             <a:endParaRPr lang="en-US"/>
           </a:p>
@@ -3478,7 +3478,7 @@
             <a:fld id="{1D8BD707-D9CF-40AE-B4C6-C98DA3205C09}" type="datetimeFigureOut">
               <a:rPr lang="en-US" smtClean="0"/>
               <a:pPr/>
-              <a:t>7/4/2023</a:t>
+              <a:t>1/4/2024</a:t>
             </a:fld>
             <a:endParaRPr lang="en-US"/>
           </a:p>
@@ -3615,7 +3615,7 @@
             <a:fld id="{1D8BD707-D9CF-40AE-B4C6-C98DA3205C09}" type="datetimeFigureOut">
               <a:rPr lang="en-US" smtClean="0"/>
               <a:pPr/>
-              <a:t>7/4/2023</a:t>
+              <a:t>1/4/2024</a:t>
             </a:fld>
             <a:endParaRPr lang="en-US"/>
           </a:p>
@@ -4134,7 +4134,7 @@
             <a:fld id="{1D8BD707-D9CF-40AE-B4C6-C98DA3205C09}" type="datetimeFigureOut">
               <a:rPr lang="en-US" smtClean="0"/>
               <a:pPr/>
-              <a:t>7/4/2023</a:t>
+              <a:t>1/4/2024</a:t>
             </a:fld>
             <a:endParaRPr lang="en-US"/>
           </a:p>
@@ -4395,7 +4395,7 @@
             <a:fld id="{1D8BD707-D9CF-40AE-B4C6-C98DA3205C09}" type="datetimeFigureOut">
               <a:rPr lang="en-US" smtClean="0"/>
               <a:pPr/>
-              <a:t>7/4/2023</a:t>
+              <a:t>1/4/2024</a:t>
             </a:fld>
             <a:endParaRPr lang="en-US"/>
           </a:p>
@@ -5086,6 +5086,84 @@
               </a:rPr>
               <a:t>When we use the AddTransient() method to register a service, then it will create a Transient service. It means a new instance of the specified service is created each time when it is requested and they are never shared.</a:t>
             </a:r>
+          </a:p>
+          <a:p>
+            <a:r>
+              <a:rPr lang="en-US" sz="1800" b="0" i="0" u="none" strike="noStrike" kern="1200">
+                <a:solidFill>
+                  <a:srgbClr val="000000"/>
+                </a:solidFill>
+                <a:effectLst/>
+                <a:latin typeface="Monaco"/>
+              </a:rPr>
+              <a:t>services</a:t>
+            </a:r>
+            <a:r>
+              <a:rPr lang="en-US" sz="1800" b="0" i="0" u="none" strike="noStrike" kern="1200" err="1">
+                <a:solidFill>
+                  <a:srgbClr val="000000"/>
+                </a:solidFill>
+                <a:effectLst/>
+                <a:latin typeface="Monaco"/>
+              </a:rPr>
+              <a:t>.</a:t>
+            </a:r>
+            <a:r>
+              <a:rPr lang="en-US" sz="1800" b="0" i="0" u="none" strike="noStrike" kern="1200">
+                <a:solidFill>
+                  <a:srgbClr val="000000"/>
+                </a:solidFill>
+                <a:effectLst/>
+                <a:latin typeface="Monaco"/>
+              </a:rPr>
+              <a:t>AddTransient&lt;</a:t>
+            </a:r>
+            <a:r>
+              <a:rPr lang="en-US" sz="1800" b="0" i="0" u="none" strike="noStrike" kern="1200" dirty="0" err="1">
+                <a:solidFill>
+                  <a:srgbClr val="000000"/>
+                </a:solidFill>
+                <a:effectLst/>
+                <a:latin typeface="Monaco"/>
+              </a:rPr>
+              <a:t>IProductService</a:t>
+            </a:r>
+            <a:r>
+              <a:rPr lang="en-US" sz="1800" b="0" i="0" u="none" strike="noStrike" kern="1200" dirty="0">
+                <a:solidFill>
+                  <a:srgbClr val="000000"/>
+                </a:solidFill>
+                <a:effectLst/>
+                <a:latin typeface="Monaco"/>
+              </a:rPr>
+              <a:t>, </a:t>
+            </a:r>
+            <a:r>
+              <a:rPr lang="en-US" sz="1800" b="0" i="0" u="none" strike="noStrike" kern="1200" dirty="0" err="1">
+                <a:solidFill>
+                  <a:srgbClr val="000000"/>
+                </a:solidFill>
+                <a:effectLst/>
+                <a:latin typeface="Monaco"/>
+              </a:rPr>
+              <a:t>ProductService</a:t>
+            </a:r>
+            <a:r>
+              <a:rPr lang="en-US" sz="1800" b="0" i="0" u="none" strike="noStrike" kern="1200" dirty="0">
+                <a:solidFill>
+                  <a:srgbClr val="000000"/>
+                </a:solidFill>
+                <a:effectLst/>
+                <a:latin typeface="Monaco"/>
+              </a:rPr>
+              <a:t>&gt;();</a:t>
+            </a:r>
+            <a:endParaRPr lang="en-US" sz="1800" b="0" i="0" u="none" strike="noStrike" dirty="0">
+              <a:effectLst/>
+              <a:latin typeface="Arial" panose="020B0604020202020204" pitchFamily="34" charset="0"/>
+            </a:endParaRPr>
+          </a:p>
+          <a:p>
             <a:endParaRPr lang="en-US" sz="1600" dirty="0"/>
           </a:p>
         </p:txBody>
@@ -5118,7 +5196,7 @@
         </p:blipFill>
         <p:spPr>
           <a:xfrm>
-            <a:off x="1219200" y="2971800"/>
+            <a:off x="1219200" y="3555850"/>
             <a:ext cx="6407479" cy="2921150"/>
           </a:xfrm>
           <a:prstGeom prst="rect">
@@ -6218,7 +6296,7 @@
           <p:nvPr>
             <p:extLst>
               <p:ext uri="{D42A27DB-BD31-4B8C-83A1-F6EECF244321}">
-                <p14:modId xmlns:p14="http://schemas.microsoft.com/office/powerpoint/2010/main" val="2853599236"/>
+                <p14:modId xmlns:p14="http://schemas.microsoft.com/office/powerpoint/2010/main" val="3975043337"/>
               </p:ext>
             </p:extLst>
           </p:nvPr>
@@ -6478,6 +6556,96 @@
               </a:rPr>
               <a:t>() method to register a service, then it will create a Scoped service. It means, an instance of the service is created once per each HTTP request and uses that instance in other calls of the same request.</a:t>
             </a:r>
+          </a:p>
+          <a:p>
+            <a:pPr marL="0" algn="just" fontAlgn="base">
+              <a:spcBef>
+                <a:spcPts val="0"/>
+              </a:spcBef>
+            </a:pPr>
+            <a:br>
+              <a:rPr lang="en-US" sz="1800" b="0" i="0" u="none" strike="noStrike" kern="1200" dirty="0">
+                <a:solidFill>
+                  <a:srgbClr val="000000"/>
+                </a:solidFill>
+                <a:effectLst/>
+                <a:latin typeface="Monaco"/>
+              </a:rPr>
+            </a:br>
+            <a:r>
+              <a:rPr lang="en-US" sz="1800" b="0" i="0" u="none" strike="noStrike" kern="1200" dirty="0" err="1">
+                <a:solidFill>
+                  <a:srgbClr val="000000"/>
+                </a:solidFill>
+                <a:effectLst/>
+                <a:latin typeface="Monaco"/>
+              </a:rPr>
+              <a:t>services.AddScoped</a:t>
+            </a:r>
+            <a:r>
+              <a:rPr lang="en-US" sz="1800" b="0" i="0" u="none" strike="noStrike" kern="1200" dirty="0">
+                <a:solidFill>
+                  <a:srgbClr val="000000"/>
+                </a:solidFill>
+                <a:effectLst/>
+                <a:latin typeface="Monaco"/>
+              </a:rPr>
+              <a:t>&lt;</a:t>
+            </a:r>
+            <a:r>
+              <a:rPr lang="en-US" sz="1800" b="0" i="0" u="none" strike="noStrike" kern="1200" dirty="0" err="1">
+                <a:solidFill>
+                  <a:srgbClr val="000000"/>
+                </a:solidFill>
+                <a:effectLst/>
+                <a:latin typeface="Monaco"/>
+              </a:rPr>
+              <a:t>IProductService</a:t>
+            </a:r>
+            <a:r>
+              <a:rPr lang="en-US" sz="1800" b="0" i="0" u="none" strike="noStrike" kern="1200" dirty="0">
+                <a:solidFill>
+                  <a:srgbClr val="000000"/>
+                </a:solidFill>
+                <a:effectLst/>
+                <a:latin typeface="Monaco"/>
+              </a:rPr>
+              <a:t>, </a:t>
+            </a:r>
+            <a:r>
+              <a:rPr lang="en-US" sz="1800" b="0" i="0" u="none" strike="noStrike" kern="1200" dirty="0" err="1">
+                <a:solidFill>
+                  <a:srgbClr val="000000"/>
+                </a:solidFill>
+                <a:effectLst/>
+                <a:latin typeface="Monaco"/>
+              </a:rPr>
+              <a:t>ProductService</a:t>
+            </a:r>
+            <a:r>
+              <a:rPr lang="en-US" sz="1800" b="0" i="0" u="none" strike="noStrike" kern="1200" dirty="0">
+                <a:solidFill>
+                  <a:srgbClr val="000000"/>
+                </a:solidFill>
+                <a:effectLst/>
+                <a:latin typeface="Monaco"/>
+              </a:rPr>
+              <a:t>&gt;();</a:t>
+            </a:r>
+            <a:endParaRPr lang="en-US" sz="1800" b="0" i="0" u="none" strike="noStrike" dirty="0">
+              <a:effectLst/>
+              <a:latin typeface="Arial" panose="020B0604020202020204" pitchFamily="34" charset="0"/>
+            </a:endParaRPr>
+          </a:p>
+          <a:p>
+            <a:pPr marL="0" marR="0" algn="just" fontAlgn="base">
+              <a:spcBef>
+                <a:spcPts val="0"/>
+              </a:spcBef>
+              <a:spcAft>
+                <a:spcPts val="0"/>
+              </a:spcAft>
+            </a:pPr>
             <a:endParaRPr lang="en-US" sz="1800" dirty="0">
               <a:effectLst/>
               <a:ea typeface="Times New Roman" panose="02020603050405020304" pitchFamily="18" charset="0"/>
@@ -6519,7 +6687,7 @@
         </p:blipFill>
         <p:spPr>
           <a:xfrm>
-            <a:off x="1219200" y="3429000"/>
+            <a:off x="1219200" y="3727309"/>
             <a:ext cx="6420180" cy="2749691"/>
           </a:xfrm>
           <a:prstGeom prst="rect">

--- a/Asp.net Core/PPT/DependencyInjection.pptx
+++ b/Asp.net Core/PPT/DependencyInjection.pptx
@@ -5089,34 +5089,24 @@
           </a:p>
           <a:p>
             <a:r>
-              <a:rPr lang="en-US" sz="1800" b="0" i="0" u="none" strike="noStrike" kern="1200">
+              <a:rPr lang="en-US" sz="1800" b="0" i="0" u="none" strike="noStrike" kern="1200" dirty="0" err="1">
                 <a:solidFill>
                   <a:srgbClr val="000000"/>
                 </a:solidFill>
                 <a:effectLst/>
                 <a:latin typeface="Monaco"/>
               </a:rPr>
-              <a:t>services</a:t>
-            </a:r>
-            <a:r>
-              <a:rPr lang="en-US" sz="1800" b="0" i="0" u="none" strike="noStrike" kern="1200" err="1">
+              <a:t>services.AddTransient</a:t>
+            </a:r>
+            <a:r>
+              <a:rPr lang="en-US" sz="1800" b="0" i="0" u="none" strike="noStrike" kern="1200" dirty="0">
                 <a:solidFill>
                   <a:srgbClr val="000000"/>
                 </a:solidFill>
                 <a:effectLst/>
                 <a:latin typeface="Monaco"/>
               </a:rPr>
-              <a:t>.</a:t>
-            </a:r>
-            <a:r>
-              <a:rPr lang="en-US" sz="1800" b="0" i="0" u="none" strike="noStrike" kern="1200">
-                <a:solidFill>
-                  <a:srgbClr val="000000"/>
-                </a:solidFill>
-                <a:effectLst/>
-                <a:latin typeface="Monaco"/>
-              </a:rPr>
-              <a:t>AddTransient&lt;</a:t>
+              <a:t>&lt;</a:t>
             </a:r>
             <a:r>
               <a:rPr lang="en-US" sz="1800" b="0" i="0" u="none" strike="noStrike" kern="1200" dirty="0" err="1">
